--- a/week6/A Dog’s Life.pptx
+++ b/week6/A Dog’s Life.pptx
@@ -4101,6 +4101,9 @@
               <a:gd name="adj" fmla="val 15047"/>
             </a:avLst>
           </a:prstGeom>
+          <a:solidFill>
+            <a:schemeClr val="bg1"/>
+          </a:solidFill>
         </p:spPr>
         <p:style>
           <a:lnRef idx="2">
@@ -4124,6 +4127,1486 @@
           <a:p>
             <a:pPr algn="ctr"/>
             <a:endParaRPr lang="en-US"/>
+          </a:p>
+        </p:txBody>
+      </p:sp>
+      <p:sp>
+        <p:nvSpPr>
+          <p:cNvPr id="5" name="Rectangle: Top Corners Rounded 4">
+            <a:extLst>
+              <a:ext uri="{FF2B5EF4-FFF2-40B4-BE49-F238E27FC236}">
+                <a16:creationId xmlns:a16="http://schemas.microsoft.com/office/drawing/2014/main" id="{8431D2A0-09DC-4E0B-B2AD-79385C08D15F}"/>
+              </a:ext>
+            </a:extLst>
+          </p:cNvPr>
+          <p:cNvSpPr/>
+          <p:nvPr/>
+        </p:nvSpPr>
+        <p:spPr>
+          <a:xfrm>
+            <a:off x="463137" y="902525"/>
+            <a:ext cx="7730837" cy="1200329"/>
+          </a:xfrm>
+          <a:prstGeom prst="round2SameRect">
+            <a:avLst/>
+          </a:prstGeom>
+          <a:solidFill>
+            <a:schemeClr val="accent1">
+              <a:lumMod val="40000"/>
+              <a:lumOff val="60000"/>
+            </a:schemeClr>
+          </a:solidFill>
+          <a:ln>
+            <a:noFill/>
+          </a:ln>
+        </p:spPr>
+        <p:style>
+          <a:lnRef idx="2">
+            <a:schemeClr val="accent1">
+              <a:shade val="50000"/>
+            </a:schemeClr>
+          </a:lnRef>
+          <a:fillRef idx="1">
+            <a:schemeClr val="accent1"/>
+          </a:fillRef>
+          <a:effectRef idx="0">
+            <a:schemeClr val="accent1"/>
+          </a:effectRef>
+          <a:fontRef idx="minor">
+            <a:schemeClr val="lt1"/>
+          </a:fontRef>
+        </p:style>
+        <p:txBody>
+          <a:bodyPr rtlCol="0" anchor="ctr"/>
+          <a:lstStyle/>
+          <a:p>
+            <a:pPr algn="ctr"/>
+            <a:endParaRPr lang="en-US" dirty="0"/>
+          </a:p>
+        </p:txBody>
+      </p:sp>
+      <p:sp>
+        <p:nvSpPr>
+          <p:cNvPr id="6" name="TextBox 5">
+            <a:extLst>
+              <a:ext uri="{FF2B5EF4-FFF2-40B4-BE49-F238E27FC236}">
+                <a16:creationId xmlns:a16="http://schemas.microsoft.com/office/drawing/2014/main" id="{9C6788F0-3BB1-4088-B674-E51FF15ED543}"/>
+              </a:ext>
+            </a:extLst>
+          </p:cNvPr>
+          <p:cNvSpPr txBox="1"/>
+          <p:nvPr/>
+        </p:nvSpPr>
+        <p:spPr>
+          <a:xfrm>
+            <a:off x="1514514" y="1189828"/>
+            <a:ext cx="2383616" cy="400110"/>
+          </a:xfrm>
+          <a:prstGeom prst="rect">
+            <a:avLst/>
+          </a:prstGeom>
+          <a:noFill/>
+        </p:spPr>
+        <p:txBody>
+          <a:bodyPr wrap="square" rtlCol="0">
+            <a:spAutoFit/>
+          </a:bodyPr>
+          <a:lstStyle/>
+          <a:p>
+            <a:r>
+              <a:rPr lang="en-US" sz="2000" b="1" dirty="0">
+                <a:latin typeface="Arial" panose="020B0604020202020204" pitchFamily="34" charset="0"/>
+                <a:cs typeface="Arial" panose="020B0604020202020204" pitchFamily="34" charset="0"/>
+              </a:rPr>
+              <a:t>A Dog’s Life</a:t>
+            </a:r>
+          </a:p>
+        </p:txBody>
+      </p:sp>
+      <p:grpSp>
+        <p:nvGrpSpPr>
+          <p:cNvPr id="11" name="Group 10">
+            <a:extLst>
+              <a:ext uri="{FF2B5EF4-FFF2-40B4-BE49-F238E27FC236}">
+                <a16:creationId xmlns:a16="http://schemas.microsoft.com/office/drawing/2014/main" id="{214D85B8-5287-4BA8-B996-76AB7CAD724C}"/>
+              </a:ext>
+            </a:extLst>
+          </p:cNvPr>
+          <p:cNvGrpSpPr/>
+          <p:nvPr/>
+        </p:nvGrpSpPr>
+        <p:grpSpPr>
+          <a:xfrm>
+            <a:off x="246217" y="1097292"/>
+            <a:ext cx="1170761" cy="1155980"/>
+            <a:chOff x="2651352" y="1276191"/>
+            <a:chExt cx="1170761" cy="1155980"/>
+          </a:xfrm>
+        </p:grpSpPr>
+        <p:sp>
+          <p:nvSpPr>
+            <p:cNvPr id="7" name="Oval 6">
+              <a:extLst>
+                <a:ext uri="{FF2B5EF4-FFF2-40B4-BE49-F238E27FC236}">
+                  <a16:creationId xmlns:a16="http://schemas.microsoft.com/office/drawing/2014/main" id="{F3AC0609-186D-4A4E-9CCA-E91A2321A257}"/>
+                </a:ext>
+              </a:extLst>
+            </p:cNvPr>
+            <p:cNvSpPr/>
+            <p:nvPr/>
+          </p:nvSpPr>
+          <p:spPr>
+            <a:xfrm>
+              <a:off x="3169762" y="1327951"/>
+              <a:ext cx="652351" cy="652351"/>
+            </a:xfrm>
+            <a:prstGeom prst="ellipse">
+              <a:avLst/>
+            </a:prstGeom>
+            <a:solidFill>
+              <a:schemeClr val="tx1"/>
+            </a:solidFill>
+          </p:spPr>
+          <p:style>
+            <a:lnRef idx="2">
+              <a:schemeClr val="accent1">
+                <a:shade val="50000"/>
+              </a:schemeClr>
+            </a:lnRef>
+            <a:fillRef idx="1">
+              <a:schemeClr val="accent1"/>
+            </a:fillRef>
+            <a:effectRef idx="0">
+              <a:schemeClr val="accent1"/>
+            </a:effectRef>
+            <a:fontRef idx="minor">
+              <a:schemeClr val="lt1"/>
+            </a:fontRef>
+          </p:style>
+          <p:txBody>
+            <a:bodyPr rtlCol="0" anchor="ctr"/>
+            <a:lstStyle/>
+            <a:p>
+              <a:pPr algn="ctr"/>
+              <a:endParaRPr lang="en-US"/>
+            </a:p>
+          </p:txBody>
+        </p:sp>
+        <p:pic>
+          <p:nvPicPr>
+            <p:cNvPr id="9" name="Graphic 8" descr="Dog with solid fill">
+              <a:extLst>
+                <a:ext uri="{FF2B5EF4-FFF2-40B4-BE49-F238E27FC236}">
+                  <a16:creationId xmlns:a16="http://schemas.microsoft.com/office/drawing/2014/main" id="{E29C098E-55CB-4720-A8BC-4CAF292CA145}"/>
+                </a:ext>
+              </a:extLst>
+            </p:cNvPr>
+            <p:cNvPicPr>
+              <a:picLocks noChangeAspect="1"/>
+            </p:cNvPicPr>
+            <p:nvPr/>
+          </p:nvPicPr>
+          <p:blipFill>
+            <a:blip r:embed="rId2">
+              <a:extLst>
+                <a:ext uri="{28A0092B-C50C-407E-A947-70E740481C1C}">
+                  <a14:useLocalDpi xmlns:a14="http://schemas.microsoft.com/office/drawing/2010/main" val="0"/>
+                </a:ext>
+                <a:ext uri="{96DAC541-7B7A-43D3-8B79-37D633B846F1}">
+                  <asvg:svgBlip xmlns:asvg="http://schemas.microsoft.com/office/drawing/2016/SVG/main" r:embed="rId3"/>
+                </a:ext>
+              </a:extLst>
+            </a:blip>
+            <a:stretch>
+              <a:fillRect/>
+            </a:stretch>
+          </p:blipFill>
+          <p:spPr>
+            <a:xfrm rot="20842808">
+              <a:off x="2651352" y="1276191"/>
+              <a:ext cx="1155980" cy="1155980"/>
+            </a:xfrm>
+            <a:prstGeom prst="rect">
+              <a:avLst/>
+            </a:prstGeom>
+          </p:spPr>
+        </p:pic>
+      </p:grpSp>
+      <p:sp>
+        <p:nvSpPr>
+          <p:cNvPr id="10" name="TextBox 9">
+            <a:extLst>
+              <a:ext uri="{FF2B5EF4-FFF2-40B4-BE49-F238E27FC236}">
+                <a16:creationId xmlns:a16="http://schemas.microsoft.com/office/drawing/2014/main" id="{6D7D03F2-A804-4FE3-B548-CFDDB0A459E1}"/>
+              </a:ext>
+            </a:extLst>
+          </p:cNvPr>
+          <p:cNvSpPr txBox="1"/>
+          <p:nvPr/>
+        </p:nvSpPr>
+        <p:spPr>
+          <a:xfrm>
+            <a:off x="1514514" y="1486084"/>
+            <a:ext cx="2383616" cy="261610"/>
+          </a:xfrm>
+          <a:prstGeom prst="rect">
+            <a:avLst/>
+          </a:prstGeom>
+          <a:noFill/>
+        </p:spPr>
+        <p:txBody>
+          <a:bodyPr wrap="square" rtlCol="0">
+            <a:spAutoFit/>
+          </a:bodyPr>
+          <a:lstStyle/>
+          <a:p>
+            <a:r>
+              <a:rPr lang="en-US" sz="1100" dirty="0">
+                <a:latin typeface="Arial" panose="020B0604020202020204" pitchFamily="34" charset="0"/>
+                <a:cs typeface="Arial" panose="020B0604020202020204" pitchFamily="34" charset="0"/>
+              </a:rPr>
+              <a:t>GROOMING SERVICES</a:t>
+            </a:r>
+          </a:p>
+        </p:txBody>
+      </p:sp>
+      <p:sp>
+        <p:nvSpPr>
+          <p:cNvPr id="13" name="TextBox 12">
+            <a:extLst>
+              <a:ext uri="{FF2B5EF4-FFF2-40B4-BE49-F238E27FC236}">
+                <a16:creationId xmlns:a16="http://schemas.microsoft.com/office/drawing/2014/main" id="{B105A744-2C7A-4EF2-8FFD-6431AB07A35F}"/>
+              </a:ext>
+            </a:extLst>
+          </p:cNvPr>
+          <p:cNvSpPr txBox="1"/>
+          <p:nvPr/>
+        </p:nvSpPr>
+        <p:spPr>
+          <a:xfrm>
+            <a:off x="3466036" y="1380716"/>
+            <a:ext cx="1453222" cy="230832"/>
+          </a:xfrm>
+          <a:prstGeom prst="rect">
+            <a:avLst/>
+          </a:prstGeom>
+          <a:noFill/>
+        </p:spPr>
+        <p:txBody>
+          <a:bodyPr wrap="square" rtlCol="0">
+            <a:spAutoFit/>
+          </a:bodyPr>
+          <a:lstStyle/>
+          <a:p>
+            <a:pPr algn="ctr"/>
+            <a:r>
+              <a:rPr lang="en-US" sz="900" dirty="0">
+                <a:latin typeface="Arial" panose="020B0604020202020204" pitchFamily="34" charset="0"/>
+                <a:cs typeface="Arial" panose="020B0604020202020204" pitchFamily="34" charset="0"/>
+              </a:rPr>
+              <a:t>GROOMING SERVICES</a:t>
+            </a:r>
+          </a:p>
+        </p:txBody>
+      </p:sp>
+      <p:sp>
+        <p:nvSpPr>
+          <p:cNvPr id="14" name="TextBox 13">
+            <a:extLst>
+              <a:ext uri="{FF2B5EF4-FFF2-40B4-BE49-F238E27FC236}">
+                <a16:creationId xmlns:a16="http://schemas.microsoft.com/office/drawing/2014/main" id="{87320F55-EAB0-4688-98B8-C5AD2AED34C7}"/>
+              </a:ext>
+            </a:extLst>
+          </p:cNvPr>
+          <p:cNvSpPr txBox="1"/>
+          <p:nvPr/>
+        </p:nvSpPr>
+        <p:spPr>
+          <a:xfrm>
+            <a:off x="5076844" y="1380716"/>
+            <a:ext cx="1075409" cy="230832"/>
+          </a:xfrm>
+          <a:prstGeom prst="rect">
+            <a:avLst/>
+          </a:prstGeom>
+          <a:noFill/>
+        </p:spPr>
+        <p:txBody>
+          <a:bodyPr wrap="square" rtlCol="0">
+            <a:spAutoFit/>
+          </a:bodyPr>
+          <a:lstStyle/>
+          <a:p>
+            <a:pPr algn="ctr"/>
+            <a:r>
+              <a:rPr lang="en-US" sz="900" dirty="0">
+                <a:latin typeface="Arial" panose="020B0604020202020204" pitchFamily="34" charset="0"/>
+                <a:cs typeface="Arial" panose="020B0604020202020204" pitchFamily="34" charset="0"/>
+              </a:rPr>
+              <a:t>MAP TO STORE</a:t>
+            </a:r>
+          </a:p>
+        </p:txBody>
+      </p:sp>
+      <p:sp>
+        <p:nvSpPr>
+          <p:cNvPr id="15" name="TextBox 14">
+            <a:extLst>
+              <a:ext uri="{FF2B5EF4-FFF2-40B4-BE49-F238E27FC236}">
+                <a16:creationId xmlns:a16="http://schemas.microsoft.com/office/drawing/2014/main" id="{48E47171-56EE-4670-906B-FB4D99476BE1}"/>
+              </a:ext>
+            </a:extLst>
+          </p:cNvPr>
+          <p:cNvSpPr txBox="1"/>
+          <p:nvPr/>
+        </p:nvSpPr>
+        <p:spPr>
+          <a:xfrm>
+            <a:off x="6309839" y="1385428"/>
+            <a:ext cx="1575824" cy="230832"/>
+          </a:xfrm>
+          <a:prstGeom prst="rect">
+            <a:avLst/>
+          </a:prstGeom>
+          <a:noFill/>
+        </p:spPr>
+        <p:txBody>
+          <a:bodyPr wrap="square" rtlCol="0">
+            <a:spAutoFit/>
+          </a:bodyPr>
+          <a:lstStyle/>
+          <a:p>
+            <a:pPr algn="ctr"/>
+            <a:r>
+              <a:rPr lang="en-US" sz="900" dirty="0">
+                <a:latin typeface="Arial" panose="020B0604020202020204" pitchFamily="34" charset="0"/>
+                <a:cs typeface="Arial" panose="020B0604020202020204" pitchFamily="34" charset="0"/>
+              </a:rPr>
+              <a:t>CONTACT INFORMATION</a:t>
+            </a:r>
+          </a:p>
+        </p:txBody>
+      </p:sp>
+      <p:pic>
+        <p:nvPicPr>
+          <p:cNvPr id="33" name="Picture 32">
+            <a:extLst>
+              <a:ext uri="{FF2B5EF4-FFF2-40B4-BE49-F238E27FC236}">
+                <a16:creationId xmlns:a16="http://schemas.microsoft.com/office/drawing/2014/main" id="{1C083454-0995-4328-94D6-F89562CFB5EE}"/>
+              </a:ext>
+            </a:extLst>
+          </p:cNvPr>
+          <p:cNvPicPr>
+            <a:picLocks noChangeAspect="1"/>
+          </p:cNvPicPr>
+          <p:nvPr/>
+        </p:nvPicPr>
+        <p:blipFill rotWithShape="1">
+          <a:blip r:embed="rId4">
+            <a:extLst>
+              <a:ext uri="{28A0092B-C50C-407E-A947-70E740481C1C}">
+                <a14:useLocalDpi xmlns:a14="http://schemas.microsoft.com/office/drawing/2010/main" val="0"/>
+              </a:ext>
+            </a:extLst>
+          </a:blip>
+          <a:srcRect b="18627"/>
+          <a:stretch/>
+        </p:blipFill>
+        <p:spPr>
+          <a:xfrm>
+            <a:off x="1024486" y="2295080"/>
+            <a:ext cx="3227175" cy="2100836"/>
+          </a:xfrm>
+          <a:prstGeom prst="rect">
+            <a:avLst/>
+          </a:prstGeom>
+        </p:spPr>
+      </p:pic>
+      <p:grpSp>
+        <p:nvGrpSpPr>
+          <p:cNvPr id="31" name="Group 30">
+            <a:extLst>
+              <a:ext uri="{FF2B5EF4-FFF2-40B4-BE49-F238E27FC236}">
+                <a16:creationId xmlns:a16="http://schemas.microsoft.com/office/drawing/2014/main" id="{43971FE8-AEE5-4317-982E-A97FF409B60C}"/>
+              </a:ext>
+            </a:extLst>
+          </p:cNvPr>
+          <p:cNvGrpSpPr/>
+          <p:nvPr/>
+        </p:nvGrpSpPr>
+        <p:grpSpPr>
+          <a:xfrm>
+            <a:off x="4366706" y="3239583"/>
+            <a:ext cx="78713" cy="184144"/>
+            <a:chOff x="4529014" y="3399210"/>
+            <a:chExt cx="78713" cy="184144"/>
+          </a:xfrm>
+        </p:grpSpPr>
+        <p:cxnSp>
+          <p:nvCxnSpPr>
+            <p:cNvPr id="17" name="Straight Connector 16">
+              <a:extLst>
+                <a:ext uri="{FF2B5EF4-FFF2-40B4-BE49-F238E27FC236}">
+                  <a16:creationId xmlns:a16="http://schemas.microsoft.com/office/drawing/2014/main" id="{1256243B-1D91-4B16-811B-3AF2DB104211}"/>
+                </a:ext>
+              </a:extLst>
+            </p:cNvPr>
+            <p:cNvCxnSpPr>
+              <a:cxnSpLocks/>
+            </p:cNvCxnSpPr>
+            <p:nvPr/>
+          </p:nvCxnSpPr>
+          <p:spPr>
+            <a:xfrm>
+              <a:off x="4529014" y="3399210"/>
+              <a:ext cx="78713" cy="98496"/>
+            </a:xfrm>
+            <a:prstGeom prst="line">
+              <a:avLst/>
+            </a:prstGeom>
+            <a:ln w="19050">
+              <a:solidFill>
+                <a:schemeClr val="tx1"/>
+              </a:solidFill>
+            </a:ln>
+          </p:spPr>
+          <p:style>
+            <a:lnRef idx="1">
+              <a:schemeClr val="accent1"/>
+            </a:lnRef>
+            <a:fillRef idx="0">
+              <a:schemeClr val="accent1"/>
+            </a:fillRef>
+            <a:effectRef idx="0">
+              <a:schemeClr val="accent1"/>
+            </a:effectRef>
+            <a:fontRef idx="minor">
+              <a:schemeClr val="tx1"/>
+            </a:fontRef>
+          </p:style>
+        </p:cxnSp>
+        <p:cxnSp>
+          <p:nvCxnSpPr>
+            <p:cNvPr id="19" name="Straight Connector 18">
+              <a:extLst>
+                <a:ext uri="{FF2B5EF4-FFF2-40B4-BE49-F238E27FC236}">
+                  <a16:creationId xmlns:a16="http://schemas.microsoft.com/office/drawing/2014/main" id="{68B10A9E-F36B-4F61-879B-601D51BA7558}"/>
+                </a:ext>
+              </a:extLst>
+            </p:cNvPr>
+            <p:cNvCxnSpPr>
+              <a:cxnSpLocks/>
+            </p:cNvCxnSpPr>
+            <p:nvPr/>
+          </p:nvCxnSpPr>
+          <p:spPr>
+            <a:xfrm flipV="1">
+              <a:off x="4529015" y="3484858"/>
+              <a:ext cx="76654" cy="98496"/>
+            </a:xfrm>
+            <a:prstGeom prst="line">
+              <a:avLst/>
+            </a:prstGeom>
+            <a:ln w="19050">
+              <a:solidFill>
+                <a:schemeClr val="tx1"/>
+              </a:solidFill>
+            </a:ln>
+          </p:spPr>
+          <p:style>
+            <a:lnRef idx="1">
+              <a:schemeClr val="accent1"/>
+            </a:lnRef>
+            <a:fillRef idx="0">
+              <a:schemeClr val="accent1"/>
+            </a:fillRef>
+            <a:effectRef idx="0">
+              <a:schemeClr val="accent1"/>
+            </a:effectRef>
+            <a:fontRef idx="minor">
+              <a:schemeClr val="tx1"/>
+            </a:fontRef>
+          </p:style>
+        </p:cxnSp>
+      </p:grpSp>
+      <p:grpSp>
+        <p:nvGrpSpPr>
+          <p:cNvPr id="34" name="Group 33">
+            <a:extLst>
+              <a:ext uri="{FF2B5EF4-FFF2-40B4-BE49-F238E27FC236}">
+                <a16:creationId xmlns:a16="http://schemas.microsoft.com/office/drawing/2014/main" id="{482556F4-9DE4-4BCB-9DBB-9C9A0F72DD83}"/>
+              </a:ext>
+            </a:extLst>
+          </p:cNvPr>
+          <p:cNvGrpSpPr/>
+          <p:nvPr/>
+        </p:nvGrpSpPr>
+        <p:grpSpPr>
+          <a:xfrm rot="10800000">
+            <a:off x="830728" y="3246007"/>
+            <a:ext cx="78713" cy="184144"/>
+            <a:chOff x="4529014" y="3399210"/>
+            <a:chExt cx="78713" cy="184144"/>
+          </a:xfrm>
+        </p:grpSpPr>
+        <p:cxnSp>
+          <p:nvCxnSpPr>
+            <p:cNvPr id="35" name="Straight Connector 34">
+              <a:extLst>
+                <a:ext uri="{FF2B5EF4-FFF2-40B4-BE49-F238E27FC236}">
+                  <a16:creationId xmlns:a16="http://schemas.microsoft.com/office/drawing/2014/main" id="{53DBEA82-608C-406A-886C-3B14362C86D7}"/>
+                </a:ext>
+              </a:extLst>
+            </p:cNvPr>
+            <p:cNvCxnSpPr>
+              <a:cxnSpLocks/>
+            </p:cNvCxnSpPr>
+            <p:nvPr/>
+          </p:nvCxnSpPr>
+          <p:spPr>
+            <a:xfrm>
+              <a:off x="4529014" y="3399210"/>
+              <a:ext cx="78713" cy="98496"/>
+            </a:xfrm>
+            <a:prstGeom prst="line">
+              <a:avLst/>
+            </a:prstGeom>
+            <a:ln w="19050">
+              <a:solidFill>
+                <a:schemeClr val="tx1"/>
+              </a:solidFill>
+            </a:ln>
+          </p:spPr>
+          <p:style>
+            <a:lnRef idx="1">
+              <a:schemeClr val="accent1"/>
+            </a:lnRef>
+            <a:fillRef idx="0">
+              <a:schemeClr val="accent1"/>
+            </a:fillRef>
+            <a:effectRef idx="0">
+              <a:schemeClr val="accent1"/>
+            </a:effectRef>
+            <a:fontRef idx="minor">
+              <a:schemeClr val="tx1"/>
+            </a:fontRef>
+          </p:style>
+        </p:cxnSp>
+        <p:cxnSp>
+          <p:nvCxnSpPr>
+            <p:cNvPr id="36" name="Straight Connector 35">
+              <a:extLst>
+                <a:ext uri="{FF2B5EF4-FFF2-40B4-BE49-F238E27FC236}">
+                  <a16:creationId xmlns:a16="http://schemas.microsoft.com/office/drawing/2014/main" id="{AA9E2BE4-C62A-4918-9337-EF615A3C58F9}"/>
+                </a:ext>
+              </a:extLst>
+            </p:cNvPr>
+            <p:cNvCxnSpPr>
+              <a:cxnSpLocks/>
+            </p:cNvCxnSpPr>
+            <p:nvPr/>
+          </p:nvCxnSpPr>
+          <p:spPr>
+            <a:xfrm flipV="1">
+              <a:off x="4529015" y="3484858"/>
+              <a:ext cx="76654" cy="98496"/>
+            </a:xfrm>
+            <a:prstGeom prst="line">
+              <a:avLst/>
+            </a:prstGeom>
+            <a:ln w="19050">
+              <a:solidFill>
+                <a:schemeClr val="tx1"/>
+              </a:solidFill>
+            </a:ln>
+          </p:spPr>
+          <p:style>
+            <a:lnRef idx="1">
+              <a:schemeClr val="accent1"/>
+            </a:lnRef>
+            <a:fillRef idx="0">
+              <a:schemeClr val="accent1"/>
+            </a:fillRef>
+            <a:effectRef idx="0">
+              <a:schemeClr val="accent1"/>
+            </a:effectRef>
+            <a:fontRef idx="minor">
+              <a:schemeClr val="tx1"/>
+            </a:fontRef>
+          </p:style>
+        </p:cxnSp>
+      </p:grpSp>
+      <p:sp>
+        <p:nvSpPr>
+          <p:cNvPr id="37" name="TextBox 36">
+            <a:extLst>
+              <a:ext uri="{FF2B5EF4-FFF2-40B4-BE49-F238E27FC236}">
+                <a16:creationId xmlns:a16="http://schemas.microsoft.com/office/drawing/2014/main" id="{BDEDB45D-8EAA-489B-929D-760D416A0BAB}"/>
+              </a:ext>
+            </a:extLst>
+          </p:cNvPr>
+          <p:cNvSpPr txBox="1"/>
+          <p:nvPr/>
+        </p:nvSpPr>
+        <p:spPr>
+          <a:xfrm>
+            <a:off x="4714334" y="2472360"/>
+            <a:ext cx="2383616" cy="584775"/>
+          </a:xfrm>
+          <a:prstGeom prst="rect">
+            <a:avLst/>
+          </a:prstGeom>
+          <a:noFill/>
+        </p:spPr>
+        <p:txBody>
+          <a:bodyPr wrap="square" rtlCol="0">
+            <a:spAutoFit/>
+          </a:bodyPr>
+          <a:lstStyle/>
+          <a:p>
+            <a:r>
+              <a:rPr lang="en-US" sz="1600" b="1" dirty="0">
+                <a:latin typeface="Arial" panose="020B0604020202020204" pitchFamily="34" charset="0"/>
+                <a:cs typeface="Arial" panose="020B0604020202020204" pitchFamily="34" charset="0"/>
+              </a:rPr>
+              <a:t>Providing a clean and happy life for your pet</a:t>
+            </a:r>
+          </a:p>
+        </p:txBody>
+      </p:sp>
+      <p:sp>
+        <p:nvSpPr>
+          <p:cNvPr id="38" name="TextBox 37">
+            <a:extLst>
+              <a:ext uri="{FF2B5EF4-FFF2-40B4-BE49-F238E27FC236}">
+                <a16:creationId xmlns:a16="http://schemas.microsoft.com/office/drawing/2014/main" id="{5DD617BC-87F8-441D-A61C-FF357305BDDB}"/>
+              </a:ext>
+            </a:extLst>
+          </p:cNvPr>
+          <p:cNvSpPr txBox="1"/>
+          <p:nvPr/>
+        </p:nvSpPr>
+        <p:spPr>
+          <a:xfrm>
+            <a:off x="4694546" y="3057135"/>
+            <a:ext cx="3080837" cy="1200329"/>
+          </a:xfrm>
+          <a:prstGeom prst="rect">
+            <a:avLst/>
+          </a:prstGeom>
+          <a:noFill/>
+        </p:spPr>
+        <p:txBody>
+          <a:bodyPr wrap="square" rtlCol="0">
+            <a:spAutoFit/>
+          </a:bodyPr>
+          <a:lstStyle/>
+          <a:p>
+            <a:r>
+              <a:rPr lang="en-US" sz="1200" b="0" i="0" dirty="0">
+                <a:solidFill>
+                  <a:srgbClr val="333333"/>
+                </a:solidFill>
+                <a:effectLst/>
+                <a:latin typeface="Arial" panose="020B0604020202020204" pitchFamily="34" charset="0"/>
+                <a:cs typeface="Arial" panose="020B0604020202020204" pitchFamily="34" charset="0"/>
+              </a:rPr>
+              <a:t>The staff here is focused on improvement, working each and every day to learn something new and evolve with your wonderful pets. All the animals that stay with us have a great time and are reluctant to leave when their stay is over!</a:t>
+            </a:r>
+            <a:endParaRPr lang="en-US" sz="1200" b="1" dirty="0">
+              <a:latin typeface="Arial" panose="020B0604020202020204" pitchFamily="34" charset="0"/>
+              <a:cs typeface="Arial" panose="020B0604020202020204" pitchFamily="34" charset="0"/>
+            </a:endParaRPr>
+          </a:p>
+        </p:txBody>
+      </p:sp>
+      <p:sp>
+        <p:nvSpPr>
+          <p:cNvPr id="40" name="Rectangle: Top Corners Rounded 39">
+            <a:extLst>
+              <a:ext uri="{FF2B5EF4-FFF2-40B4-BE49-F238E27FC236}">
+                <a16:creationId xmlns:a16="http://schemas.microsoft.com/office/drawing/2014/main" id="{DF13BD96-0535-41E8-820E-5B987263854B}"/>
+              </a:ext>
+            </a:extLst>
+          </p:cNvPr>
+          <p:cNvSpPr/>
+          <p:nvPr/>
+        </p:nvSpPr>
+        <p:spPr>
+          <a:xfrm>
+            <a:off x="909440" y="4588142"/>
+            <a:ext cx="6865943" cy="1830471"/>
+          </a:xfrm>
+          <a:prstGeom prst="round2SameRect">
+            <a:avLst/>
+          </a:prstGeom>
+          <a:solidFill>
+            <a:schemeClr val="accent1">
+              <a:lumMod val="40000"/>
+              <a:lumOff val="60000"/>
+            </a:schemeClr>
+          </a:solidFill>
+          <a:ln>
+            <a:noFill/>
+          </a:ln>
+        </p:spPr>
+        <p:style>
+          <a:lnRef idx="2">
+            <a:schemeClr val="accent1">
+              <a:shade val="50000"/>
+            </a:schemeClr>
+          </a:lnRef>
+          <a:fillRef idx="1">
+            <a:schemeClr val="accent1"/>
+          </a:fillRef>
+          <a:effectRef idx="0">
+            <a:schemeClr val="accent1"/>
+          </a:effectRef>
+          <a:fontRef idx="minor">
+            <a:schemeClr val="lt1"/>
+          </a:fontRef>
+        </p:style>
+        <p:txBody>
+          <a:bodyPr rtlCol="0" anchor="ctr"/>
+          <a:lstStyle/>
+          <a:p>
+            <a:pPr algn="ctr"/>
+            <a:endParaRPr lang="en-US" dirty="0"/>
+          </a:p>
+        </p:txBody>
+      </p:sp>
+      <p:sp>
+        <p:nvSpPr>
+          <p:cNvPr id="41" name="TextBox 40">
+            <a:extLst>
+              <a:ext uri="{FF2B5EF4-FFF2-40B4-BE49-F238E27FC236}">
+                <a16:creationId xmlns:a16="http://schemas.microsoft.com/office/drawing/2014/main" id="{D3FCBC18-7B35-45D6-89CF-97AA8BABA783}"/>
+              </a:ext>
+            </a:extLst>
+          </p:cNvPr>
+          <p:cNvSpPr txBox="1"/>
+          <p:nvPr/>
+        </p:nvSpPr>
+        <p:spPr>
+          <a:xfrm>
+            <a:off x="1398014" y="4765422"/>
+            <a:ext cx="5861082" cy="338554"/>
+          </a:xfrm>
+          <a:prstGeom prst="rect">
+            <a:avLst/>
+          </a:prstGeom>
+          <a:noFill/>
+        </p:spPr>
+        <p:txBody>
+          <a:bodyPr wrap="square" rtlCol="0">
+            <a:spAutoFit/>
+          </a:bodyPr>
+          <a:lstStyle/>
+          <a:p>
+            <a:pPr algn="ctr"/>
+            <a:r>
+              <a:rPr lang="en-US" sz="1600" b="1" dirty="0">
+                <a:latin typeface="Arial" panose="020B0604020202020204" pitchFamily="34" charset="0"/>
+                <a:cs typeface="Arial" panose="020B0604020202020204" pitchFamily="34" charset="0"/>
+              </a:rPr>
+              <a:t>Reviews From Customers</a:t>
+            </a:r>
+          </a:p>
+        </p:txBody>
+      </p:sp>
+      <p:sp>
+        <p:nvSpPr>
+          <p:cNvPr id="42" name="Rectangle: Top Corners Rounded 41">
+            <a:extLst>
+              <a:ext uri="{FF2B5EF4-FFF2-40B4-BE49-F238E27FC236}">
+                <a16:creationId xmlns:a16="http://schemas.microsoft.com/office/drawing/2014/main" id="{59888FD3-3E71-42F7-A47C-2A7D21FC00CB}"/>
+              </a:ext>
+            </a:extLst>
+          </p:cNvPr>
+          <p:cNvSpPr/>
+          <p:nvPr/>
+        </p:nvSpPr>
+        <p:spPr>
+          <a:xfrm>
+            <a:off x="1215232" y="5199330"/>
+            <a:ext cx="2911423" cy="1219283"/>
+          </a:xfrm>
+          <a:prstGeom prst="round2SameRect">
+            <a:avLst>
+              <a:gd name="adj1" fmla="val 8515"/>
+              <a:gd name="adj2" fmla="val 0"/>
+            </a:avLst>
+          </a:prstGeom>
+          <a:solidFill>
+            <a:schemeClr val="bg1"/>
+          </a:solidFill>
+          <a:ln>
+            <a:noFill/>
+          </a:ln>
+        </p:spPr>
+        <p:style>
+          <a:lnRef idx="2">
+            <a:schemeClr val="accent1">
+              <a:shade val="50000"/>
+            </a:schemeClr>
+          </a:lnRef>
+          <a:fillRef idx="1">
+            <a:schemeClr val="accent1"/>
+          </a:fillRef>
+          <a:effectRef idx="0">
+            <a:schemeClr val="accent1"/>
+          </a:effectRef>
+          <a:fontRef idx="minor">
+            <a:schemeClr val="lt1"/>
+          </a:fontRef>
+        </p:style>
+        <p:txBody>
+          <a:bodyPr rtlCol="0" anchor="ctr"/>
+          <a:lstStyle/>
+          <a:p>
+            <a:pPr algn="ctr"/>
+            <a:endParaRPr lang="en-US" dirty="0"/>
+          </a:p>
+        </p:txBody>
+      </p:sp>
+      <p:sp>
+        <p:nvSpPr>
+          <p:cNvPr id="43" name="Rectangle: Top Corners Rounded 42">
+            <a:extLst>
+              <a:ext uri="{FF2B5EF4-FFF2-40B4-BE49-F238E27FC236}">
+                <a16:creationId xmlns:a16="http://schemas.microsoft.com/office/drawing/2014/main" id="{3FEB568D-B69C-46E2-B402-6270B7B32DCD}"/>
+              </a:ext>
+            </a:extLst>
+          </p:cNvPr>
+          <p:cNvSpPr/>
+          <p:nvPr/>
+        </p:nvSpPr>
+        <p:spPr>
+          <a:xfrm>
+            <a:off x="4443361" y="5199330"/>
+            <a:ext cx="2911423" cy="1219283"/>
+          </a:xfrm>
+          <a:prstGeom prst="round2SameRect">
+            <a:avLst>
+              <a:gd name="adj1" fmla="val 9331"/>
+              <a:gd name="adj2" fmla="val 0"/>
+            </a:avLst>
+          </a:prstGeom>
+          <a:solidFill>
+            <a:schemeClr val="bg1"/>
+          </a:solidFill>
+          <a:ln>
+            <a:noFill/>
+          </a:ln>
+        </p:spPr>
+        <p:style>
+          <a:lnRef idx="2">
+            <a:schemeClr val="accent1">
+              <a:shade val="50000"/>
+            </a:schemeClr>
+          </a:lnRef>
+          <a:fillRef idx="1">
+            <a:schemeClr val="accent1"/>
+          </a:fillRef>
+          <a:effectRef idx="0">
+            <a:schemeClr val="accent1"/>
+          </a:effectRef>
+          <a:fontRef idx="minor">
+            <a:schemeClr val="lt1"/>
+          </a:fontRef>
+        </p:style>
+        <p:txBody>
+          <a:bodyPr rtlCol="0" anchor="ctr"/>
+          <a:lstStyle/>
+          <a:p>
+            <a:pPr algn="ctr"/>
+            <a:endParaRPr lang="en-US" dirty="0"/>
+          </a:p>
+        </p:txBody>
+      </p:sp>
+      <p:grpSp>
+        <p:nvGrpSpPr>
+          <p:cNvPr id="57" name="Group 56">
+            <a:extLst>
+              <a:ext uri="{FF2B5EF4-FFF2-40B4-BE49-F238E27FC236}">
+                <a16:creationId xmlns:a16="http://schemas.microsoft.com/office/drawing/2014/main" id="{FCD89B38-FA82-4572-9447-7FF005087841}"/>
+              </a:ext>
+            </a:extLst>
+          </p:cNvPr>
+          <p:cNvGrpSpPr/>
+          <p:nvPr/>
+        </p:nvGrpSpPr>
+        <p:grpSpPr>
+          <a:xfrm>
+            <a:off x="1416978" y="5826378"/>
+            <a:ext cx="1605921" cy="298218"/>
+            <a:chOff x="1398015" y="5345709"/>
+            <a:chExt cx="1576680" cy="315336"/>
+          </a:xfrm>
+        </p:grpSpPr>
+        <p:pic>
+          <p:nvPicPr>
+            <p:cNvPr id="46" name="Graphic 45" descr="Star with solid fill">
+              <a:extLst>
+                <a:ext uri="{FF2B5EF4-FFF2-40B4-BE49-F238E27FC236}">
+                  <a16:creationId xmlns:a16="http://schemas.microsoft.com/office/drawing/2014/main" id="{998E7DA5-16B9-4758-B2FA-46344475668A}"/>
+                </a:ext>
+              </a:extLst>
+            </p:cNvPr>
+            <p:cNvPicPr>
+              <a:picLocks noChangeAspect="1"/>
+            </p:cNvPicPr>
+            <p:nvPr/>
+          </p:nvPicPr>
+          <p:blipFill>
+            <a:blip r:embed="rId5">
+              <a:extLst>
+                <a:ext uri="{28A0092B-C50C-407E-A947-70E740481C1C}">
+                  <a14:useLocalDpi xmlns:a14="http://schemas.microsoft.com/office/drawing/2010/main" val="0"/>
+                </a:ext>
+                <a:ext uri="{96DAC541-7B7A-43D3-8B79-37D633B846F1}">
+                  <asvg:svgBlip xmlns:asvg="http://schemas.microsoft.com/office/drawing/2016/SVG/main" r:embed="rId6"/>
+                </a:ext>
+              </a:extLst>
+            </a:blip>
+            <a:stretch>
+              <a:fillRect/>
+            </a:stretch>
+          </p:blipFill>
+          <p:spPr>
+            <a:xfrm>
+              <a:off x="1398015" y="5345709"/>
+              <a:ext cx="315336" cy="315336"/>
+            </a:xfrm>
+            <a:prstGeom prst="rect">
+              <a:avLst/>
+            </a:prstGeom>
+          </p:spPr>
+        </p:pic>
+        <p:pic>
+          <p:nvPicPr>
+            <p:cNvPr id="47" name="Graphic 46" descr="Star with solid fill">
+              <a:extLst>
+                <a:ext uri="{FF2B5EF4-FFF2-40B4-BE49-F238E27FC236}">
+                  <a16:creationId xmlns:a16="http://schemas.microsoft.com/office/drawing/2014/main" id="{ED7C7D4C-E5C9-40A3-BBA2-9DD09EEBE97F}"/>
+                </a:ext>
+              </a:extLst>
+            </p:cNvPr>
+            <p:cNvPicPr>
+              <a:picLocks noChangeAspect="1"/>
+            </p:cNvPicPr>
+            <p:nvPr/>
+          </p:nvPicPr>
+          <p:blipFill>
+            <a:blip r:embed="rId5">
+              <a:extLst>
+                <a:ext uri="{28A0092B-C50C-407E-A947-70E740481C1C}">
+                  <a14:useLocalDpi xmlns:a14="http://schemas.microsoft.com/office/drawing/2010/main" val="0"/>
+                </a:ext>
+                <a:ext uri="{96DAC541-7B7A-43D3-8B79-37D633B846F1}">
+                  <asvg:svgBlip xmlns:asvg="http://schemas.microsoft.com/office/drawing/2016/SVG/main" r:embed="rId6"/>
+                </a:ext>
+              </a:extLst>
+            </a:blip>
+            <a:stretch>
+              <a:fillRect/>
+            </a:stretch>
+          </p:blipFill>
+          <p:spPr>
+            <a:xfrm>
+              <a:off x="1713351" y="5345709"/>
+              <a:ext cx="315336" cy="315336"/>
+            </a:xfrm>
+            <a:prstGeom prst="rect">
+              <a:avLst/>
+            </a:prstGeom>
+          </p:spPr>
+        </p:pic>
+        <p:pic>
+          <p:nvPicPr>
+            <p:cNvPr id="48" name="Graphic 47" descr="Star with solid fill">
+              <a:extLst>
+                <a:ext uri="{FF2B5EF4-FFF2-40B4-BE49-F238E27FC236}">
+                  <a16:creationId xmlns:a16="http://schemas.microsoft.com/office/drawing/2014/main" id="{9D0F6291-F10A-4F2F-8770-EE75ACEF4FD4}"/>
+                </a:ext>
+              </a:extLst>
+            </p:cNvPr>
+            <p:cNvPicPr>
+              <a:picLocks noChangeAspect="1"/>
+            </p:cNvPicPr>
+            <p:nvPr/>
+          </p:nvPicPr>
+          <p:blipFill>
+            <a:blip r:embed="rId5">
+              <a:extLst>
+                <a:ext uri="{28A0092B-C50C-407E-A947-70E740481C1C}">
+                  <a14:useLocalDpi xmlns:a14="http://schemas.microsoft.com/office/drawing/2010/main" val="0"/>
+                </a:ext>
+                <a:ext uri="{96DAC541-7B7A-43D3-8B79-37D633B846F1}">
+                  <asvg:svgBlip xmlns:asvg="http://schemas.microsoft.com/office/drawing/2016/SVG/main" r:embed="rId6"/>
+                </a:ext>
+              </a:extLst>
+            </a:blip>
+            <a:stretch>
+              <a:fillRect/>
+            </a:stretch>
+          </p:blipFill>
+          <p:spPr>
+            <a:xfrm>
+              <a:off x="2028687" y="5345709"/>
+              <a:ext cx="315336" cy="315336"/>
+            </a:xfrm>
+            <a:prstGeom prst="rect">
+              <a:avLst/>
+            </a:prstGeom>
+          </p:spPr>
+        </p:pic>
+        <p:pic>
+          <p:nvPicPr>
+            <p:cNvPr id="49" name="Graphic 48" descr="Star with solid fill">
+              <a:extLst>
+                <a:ext uri="{FF2B5EF4-FFF2-40B4-BE49-F238E27FC236}">
+                  <a16:creationId xmlns:a16="http://schemas.microsoft.com/office/drawing/2014/main" id="{9DAD985E-85DF-4AC3-99E0-CFD1060FCD86}"/>
+                </a:ext>
+              </a:extLst>
+            </p:cNvPr>
+            <p:cNvPicPr>
+              <a:picLocks noChangeAspect="1"/>
+            </p:cNvPicPr>
+            <p:nvPr/>
+          </p:nvPicPr>
+          <p:blipFill>
+            <a:blip r:embed="rId5">
+              <a:extLst>
+                <a:ext uri="{28A0092B-C50C-407E-A947-70E740481C1C}">
+                  <a14:useLocalDpi xmlns:a14="http://schemas.microsoft.com/office/drawing/2010/main" val="0"/>
+                </a:ext>
+                <a:ext uri="{96DAC541-7B7A-43D3-8B79-37D633B846F1}">
+                  <asvg:svgBlip xmlns:asvg="http://schemas.microsoft.com/office/drawing/2016/SVG/main" r:embed="rId6"/>
+                </a:ext>
+              </a:extLst>
+            </a:blip>
+            <a:stretch>
+              <a:fillRect/>
+            </a:stretch>
+          </p:blipFill>
+          <p:spPr>
+            <a:xfrm>
+              <a:off x="2344023" y="5345709"/>
+              <a:ext cx="315336" cy="315336"/>
+            </a:xfrm>
+            <a:prstGeom prst="rect">
+              <a:avLst/>
+            </a:prstGeom>
+          </p:spPr>
+        </p:pic>
+        <p:pic>
+          <p:nvPicPr>
+            <p:cNvPr id="50" name="Graphic 49" descr="Star with solid fill">
+              <a:extLst>
+                <a:ext uri="{FF2B5EF4-FFF2-40B4-BE49-F238E27FC236}">
+                  <a16:creationId xmlns:a16="http://schemas.microsoft.com/office/drawing/2014/main" id="{F176D0B1-48D2-4EA0-8C22-89B8100DD8EE}"/>
+                </a:ext>
+              </a:extLst>
+            </p:cNvPr>
+            <p:cNvPicPr>
+              <a:picLocks noChangeAspect="1"/>
+            </p:cNvPicPr>
+            <p:nvPr/>
+          </p:nvPicPr>
+          <p:blipFill>
+            <a:blip r:embed="rId5">
+              <a:extLst>
+                <a:ext uri="{28A0092B-C50C-407E-A947-70E740481C1C}">
+                  <a14:useLocalDpi xmlns:a14="http://schemas.microsoft.com/office/drawing/2010/main" val="0"/>
+                </a:ext>
+                <a:ext uri="{96DAC541-7B7A-43D3-8B79-37D633B846F1}">
+                  <asvg:svgBlip xmlns:asvg="http://schemas.microsoft.com/office/drawing/2016/SVG/main" r:embed="rId6"/>
+                </a:ext>
+              </a:extLst>
+            </a:blip>
+            <a:stretch>
+              <a:fillRect/>
+            </a:stretch>
+          </p:blipFill>
+          <p:spPr>
+            <a:xfrm>
+              <a:off x="2659359" y="5345709"/>
+              <a:ext cx="315336" cy="315336"/>
+            </a:xfrm>
+            <a:prstGeom prst="rect">
+              <a:avLst/>
+            </a:prstGeom>
+          </p:spPr>
+        </p:pic>
+      </p:grpSp>
+      <p:sp>
+        <p:nvSpPr>
+          <p:cNvPr id="56" name="TextBox 55">
+            <a:extLst>
+              <a:ext uri="{FF2B5EF4-FFF2-40B4-BE49-F238E27FC236}">
+                <a16:creationId xmlns:a16="http://schemas.microsoft.com/office/drawing/2014/main" id="{81FDD201-96C7-4B84-9EA9-A6E08193F8E7}"/>
+              </a:ext>
+            </a:extLst>
+          </p:cNvPr>
+          <p:cNvSpPr txBox="1"/>
+          <p:nvPr/>
+        </p:nvSpPr>
+        <p:spPr>
+          <a:xfrm>
+            <a:off x="1398014" y="5351322"/>
+            <a:ext cx="1452762" cy="461665"/>
+          </a:xfrm>
+          <a:prstGeom prst="rect">
+            <a:avLst/>
+          </a:prstGeom>
+          <a:noFill/>
+        </p:spPr>
+        <p:txBody>
+          <a:bodyPr wrap="square" rtlCol="0">
+            <a:spAutoFit/>
+          </a:bodyPr>
+          <a:lstStyle/>
+          <a:p>
+            <a:r>
+              <a:rPr lang="en-US" sz="1200" b="1" dirty="0">
+                <a:latin typeface="Arial" panose="020B0604020202020204" pitchFamily="34" charset="0"/>
+                <a:cs typeface="Arial" panose="020B0604020202020204" pitchFamily="34" charset="0"/>
+              </a:rPr>
+              <a:t>Great service, friendly people!</a:t>
+            </a:r>
+          </a:p>
+        </p:txBody>
+      </p:sp>
+      <p:sp>
+        <p:nvSpPr>
+          <p:cNvPr id="58" name="TextBox 57">
+            <a:extLst>
+              <a:ext uri="{FF2B5EF4-FFF2-40B4-BE49-F238E27FC236}">
+                <a16:creationId xmlns:a16="http://schemas.microsoft.com/office/drawing/2014/main" id="{97B0BC38-419A-4520-A029-0946241409CE}"/>
+              </a:ext>
+            </a:extLst>
+          </p:cNvPr>
+          <p:cNvSpPr txBox="1"/>
+          <p:nvPr/>
+        </p:nvSpPr>
+        <p:spPr>
+          <a:xfrm>
+            <a:off x="2466883" y="5349859"/>
+            <a:ext cx="1452762" cy="276999"/>
+          </a:xfrm>
+          <a:prstGeom prst="rect">
+            <a:avLst/>
+          </a:prstGeom>
+          <a:noFill/>
+        </p:spPr>
+        <p:txBody>
+          <a:bodyPr wrap="square" rtlCol="0">
+            <a:spAutoFit/>
+          </a:bodyPr>
+          <a:lstStyle/>
+          <a:p>
+            <a:pPr algn="r"/>
+            <a:r>
+              <a:rPr lang="en-US" sz="1200" dirty="0">
+                <a:latin typeface="Arial" panose="020B0604020202020204" pitchFamily="34" charset="0"/>
+                <a:cs typeface="Arial" panose="020B0604020202020204" pitchFamily="34" charset="0"/>
+              </a:rPr>
+              <a:t>Amy M.</a:t>
+            </a:r>
+          </a:p>
+        </p:txBody>
+      </p:sp>
+      <p:grpSp>
+        <p:nvGrpSpPr>
+          <p:cNvPr id="60" name="Group 59">
+            <a:extLst>
+              <a:ext uri="{FF2B5EF4-FFF2-40B4-BE49-F238E27FC236}">
+                <a16:creationId xmlns:a16="http://schemas.microsoft.com/office/drawing/2014/main" id="{8A631392-D282-44BA-A555-E8438D228776}"/>
+              </a:ext>
+            </a:extLst>
+          </p:cNvPr>
+          <p:cNvGrpSpPr/>
+          <p:nvPr/>
+        </p:nvGrpSpPr>
+        <p:grpSpPr>
+          <a:xfrm>
+            <a:off x="4671624" y="5826378"/>
+            <a:ext cx="1605921" cy="298218"/>
+            <a:chOff x="1398015" y="5345709"/>
+            <a:chExt cx="1576680" cy="315336"/>
+          </a:xfrm>
+        </p:grpSpPr>
+        <p:pic>
+          <p:nvPicPr>
+            <p:cNvPr id="61" name="Graphic 60" descr="Star with solid fill">
+              <a:extLst>
+                <a:ext uri="{FF2B5EF4-FFF2-40B4-BE49-F238E27FC236}">
+                  <a16:creationId xmlns:a16="http://schemas.microsoft.com/office/drawing/2014/main" id="{74BE0832-D7BB-436B-8A54-DB7F0425A188}"/>
+                </a:ext>
+              </a:extLst>
+            </p:cNvPr>
+            <p:cNvPicPr>
+              <a:picLocks noChangeAspect="1"/>
+            </p:cNvPicPr>
+            <p:nvPr/>
+          </p:nvPicPr>
+          <p:blipFill>
+            <a:blip r:embed="rId5">
+              <a:extLst>
+                <a:ext uri="{28A0092B-C50C-407E-A947-70E740481C1C}">
+                  <a14:useLocalDpi xmlns:a14="http://schemas.microsoft.com/office/drawing/2010/main" val="0"/>
+                </a:ext>
+                <a:ext uri="{96DAC541-7B7A-43D3-8B79-37D633B846F1}">
+                  <asvg:svgBlip xmlns:asvg="http://schemas.microsoft.com/office/drawing/2016/SVG/main" r:embed="rId6"/>
+                </a:ext>
+              </a:extLst>
+            </a:blip>
+            <a:stretch>
+              <a:fillRect/>
+            </a:stretch>
+          </p:blipFill>
+          <p:spPr>
+            <a:xfrm>
+              <a:off x="1398015" y="5345709"/>
+              <a:ext cx="315336" cy="315336"/>
+            </a:xfrm>
+            <a:prstGeom prst="rect">
+              <a:avLst/>
+            </a:prstGeom>
+          </p:spPr>
+        </p:pic>
+        <p:pic>
+          <p:nvPicPr>
+            <p:cNvPr id="62" name="Graphic 61" descr="Star with solid fill">
+              <a:extLst>
+                <a:ext uri="{FF2B5EF4-FFF2-40B4-BE49-F238E27FC236}">
+                  <a16:creationId xmlns:a16="http://schemas.microsoft.com/office/drawing/2014/main" id="{A34C391F-6E4B-4487-BDD4-D50DFC703319}"/>
+                </a:ext>
+              </a:extLst>
+            </p:cNvPr>
+            <p:cNvPicPr>
+              <a:picLocks noChangeAspect="1"/>
+            </p:cNvPicPr>
+            <p:nvPr/>
+          </p:nvPicPr>
+          <p:blipFill>
+            <a:blip r:embed="rId5">
+              <a:extLst>
+                <a:ext uri="{28A0092B-C50C-407E-A947-70E740481C1C}">
+                  <a14:useLocalDpi xmlns:a14="http://schemas.microsoft.com/office/drawing/2010/main" val="0"/>
+                </a:ext>
+                <a:ext uri="{96DAC541-7B7A-43D3-8B79-37D633B846F1}">
+                  <asvg:svgBlip xmlns:asvg="http://schemas.microsoft.com/office/drawing/2016/SVG/main" r:embed="rId6"/>
+                </a:ext>
+              </a:extLst>
+            </a:blip>
+            <a:stretch>
+              <a:fillRect/>
+            </a:stretch>
+          </p:blipFill>
+          <p:spPr>
+            <a:xfrm>
+              <a:off x="1713351" y="5345709"/>
+              <a:ext cx="315336" cy="315336"/>
+            </a:xfrm>
+            <a:prstGeom prst="rect">
+              <a:avLst/>
+            </a:prstGeom>
+          </p:spPr>
+        </p:pic>
+        <p:pic>
+          <p:nvPicPr>
+            <p:cNvPr id="63" name="Graphic 62" descr="Star with solid fill">
+              <a:extLst>
+                <a:ext uri="{FF2B5EF4-FFF2-40B4-BE49-F238E27FC236}">
+                  <a16:creationId xmlns:a16="http://schemas.microsoft.com/office/drawing/2014/main" id="{C99EF559-3876-4509-B97F-8F7AD46E96B1}"/>
+                </a:ext>
+              </a:extLst>
+            </p:cNvPr>
+            <p:cNvPicPr>
+              <a:picLocks noChangeAspect="1"/>
+            </p:cNvPicPr>
+            <p:nvPr/>
+          </p:nvPicPr>
+          <p:blipFill>
+            <a:blip r:embed="rId5">
+              <a:extLst>
+                <a:ext uri="{28A0092B-C50C-407E-A947-70E740481C1C}">
+                  <a14:useLocalDpi xmlns:a14="http://schemas.microsoft.com/office/drawing/2010/main" val="0"/>
+                </a:ext>
+                <a:ext uri="{96DAC541-7B7A-43D3-8B79-37D633B846F1}">
+                  <asvg:svgBlip xmlns:asvg="http://schemas.microsoft.com/office/drawing/2016/SVG/main" r:embed="rId6"/>
+                </a:ext>
+              </a:extLst>
+            </a:blip>
+            <a:stretch>
+              <a:fillRect/>
+            </a:stretch>
+          </p:blipFill>
+          <p:spPr>
+            <a:xfrm>
+              <a:off x="2028687" y="5345709"/>
+              <a:ext cx="315336" cy="315336"/>
+            </a:xfrm>
+            <a:prstGeom prst="rect">
+              <a:avLst/>
+            </a:prstGeom>
+          </p:spPr>
+        </p:pic>
+        <p:pic>
+          <p:nvPicPr>
+            <p:cNvPr id="64" name="Graphic 63" descr="Star with solid fill">
+              <a:extLst>
+                <a:ext uri="{FF2B5EF4-FFF2-40B4-BE49-F238E27FC236}">
+                  <a16:creationId xmlns:a16="http://schemas.microsoft.com/office/drawing/2014/main" id="{9B55476D-A7D3-490D-9160-BFCE1F892115}"/>
+                </a:ext>
+              </a:extLst>
+            </p:cNvPr>
+            <p:cNvPicPr>
+              <a:picLocks noChangeAspect="1"/>
+            </p:cNvPicPr>
+            <p:nvPr/>
+          </p:nvPicPr>
+          <p:blipFill>
+            <a:blip r:embed="rId5">
+              <a:extLst>
+                <a:ext uri="{28A0092B-C50C-407E-A947-70E740481C1C}">
+                  <a14:useLocalDpi xmlns:a14="http://schemas.microsoft.com/office/drawing/2010/main" val="0"/>
+                </a:ext>
+                <a:ext uri="{96DAC541-7B7A-43D3-8B79-37D633B846F1}">
+                  <asvg:svgBlip xmlns:asvg="http://schemas.microsoft.com/office/drawing/2016/SVG/main" r:embed="rId6"/>
+                </a:ext>
+              </a:extLst>
+            </a:blip>
+            <a:stretch>
+              <a:fillRect/>
+            </a:stretch>
+          </p:blipFill>
+          <p:spPr>
+            <a:xfrm>
+              <a:off x="2344023" y="5345709"/>
+              <a:ext cx="315336" cy="315336"/>
+            </a:xfrm>
+            <a:prstGeom prst="rect">
+              <a:avLst/>
+            </a:prstGeom>
+          </p:spPr>
+        </p:pic>
+        <p:pic>
+          <p:nvPicPr>
+            <p:cNvPr id="65" name="Graphic 64" descr="Star with solid fill">
+              <a:extLst>
+                <a:ext uri="{FF2B5EF4-FFF2-40B4-BE49-F238E27FC236}">
+                  <a16:creationId xmlns:a16="http://schemas.microsoft.com/office/drawing/2014/main" id="{3EF8233C-BB78-4EA6-AC4D-DEE4D6958640}"/>
+                </a:ext>
+              </a:extLst>
+            </p:cNvPr>
+            <p:cNvPicPr>
+              <a:picLocks noChangeAspect="1"/>
+            </p:cNvPicPr>
+            <p:nvPr/>
+          </p:nvPicPr>
+          <p:blipFill>
+            <a:blip r:embed="rId5">
+              <a:extLst>
+                <a:ext uri="{28A0092B-C50C-407E-A947-70E740481C1C}">
+                  <a14:useLocalDpi xmlns:a14="http://schemas.microsoft.com/office/drawing/2010/main" val="0"/>
+                </a:ext>
+                <a:ext uri="{96DAC541-7B7A-43D3-8B79-37D633B846F1}">
+                  <asvg:svgBlip xmlns:asvg="http://schemas.microsoft.com/office/drawing/2016/SVG/main" r:embed="rId6"/>
+                </a:ext>
+              </a:extLst>
+            </a:blip>
+            <a:stretch>
+              <a:fillRect/>
+            </a:stretch>
+          </p:blipFill>
+          <p:spPr>
+            <a:xfrm>
+              <a:off x="2659359" y="5345709"/>
+              <a:ext cx="315336" cy="315336"/>
+            </a:xfrm>
+            <a:prstGeom prst="rect">
+              <a:avLst/>
+            </a:prstGeom>
+          </p:spPr>
+        </p:pic>
+      </p:grpSp>
+      <p:sp>
+        <p:nvSpPr>
+          <p:cNvPr id="66" name="TextBox 65">
+            <a:extLst>
+              <a:ext uri="{FF2B5EF4-FFF2-40B4-BE49-F238E27FC236}">
+                <a16:creationId xmlns:a16="http://schemas.microsoft.com/office/drawing/2014/main" id="{7F413FFA-1919-4645-98F3-8D928A15A1F5}"/>
+              </a:ext>
+            </a:extLst>
+          </p:cNvPr>
+          <p:cNvSpPr txBox="1"/>
+          <p:nvPr/>
+        </p:nvSpPr>
+        <p:spPr>
+          <a:xfrm>
+            <a:off x="4652659" y="5351322"/>
+            <a:ext cx="1657179" cy="461665"/>
+          </a:xfrm>
+          <a:prstGeom prst="rect">
+            <a:avLst/>
+          </a:prstGeom>
+          <a:noFill/>
+        </p:spPr>
+        <p:txBody>
+          <a:bodyPr wrap="square" rtlCol="0">
+            <a:spAutoFit/>
+          </a:bodyPr>
+          <a:lstStyle/>
+          <a:p>
+            <a:r>
+              <a:rPr lang="en-US" sz="1200" b="1" dirty="0">
+                <a:latin typeface="Arial" panose="020B0604020202020204" pitchFamily="34" charset="0"/>
+                <a:cs typeface="Arial" panose="020B0604020202020204" pitchFamily="34" charset="0"/>
+              </a:rPr>
+              <a:t>My dog has never been so fluffy!</a:t>
+            </a:r>
+          </a:p>
+        </p:txBody>
+      </p:sp>
+      <p:sp>
+        <p:nvSpPr>
+          <p:cNvPr id="67" name="TextBox 66">
+            <a:extLst>
+              <a:ext uri="{FF2B5EF4-FFF2-40B4-BE49-F238E27FC236}">
+                <a16:creationId xmlns:a16="http://schemas.microsoft.com/office/drawing/2014/main" id="{A04686B3-EDA5-4A81-BB0B-D3312660FCE2}"/>
+              </a:ext>
+            </a:extLst>
+          </p:cNvPr>
+          <p:cNvSpPr txBox="1"/>
+          <p:nvPr/>
+        </p:nvSpPr>
+        <p:spPr>
+          <a:xfrm>
+            <a:off x="5721529" y="5349859"/>
+            <a:ext cx="1452762" cy="276999"/>
+          </a:xfrm>
+          <a:prstGeom prst="rect">
+            <a:avLst/>
+          </a:prstGeom>
+          <a:noFill/>
+        </p:spPr>
+        <p:txBody>
+          <a:bodyPr wrap="square" rtlCol="0">
+            <a:spAutoFit/>
+          </a:bodyPr>
+          <a:lstStyle/>
+          <a:p>
+            <a:pPr algn="r"/>
+            <a:r>
+              <a:rPr lang="en-US" sz="1200" dirty="0">
+                <a:latin typeface="Arial" panose="020B0604020202020204" pitchFamily="34" charset="0"/>
+                <a:cs typeface="Arial" panose="020B0604020202020204" pitchFamily="34" charset="0"/>
+              </a:rPr>
+              <a:t>Parker J.</a:t>
+            </a:r>
           </a:p>
         </p:txBody>
       </p:sp>
